--- a/PPT/6차시.pptx
+++ b/PPT/6차시.pptx
@@ -214,7 +214,7 @@
           <a:p>
             <a:fld id="{B8039FB8-6F18-436D-9454-D1944E32D5DF}" type="datetimeFigureOut">
               <a:rPr lang="ko-KR" altLang="en-US" smtClean="0"/>
-              <a:t>2017-12-21</a:t>
+              <a:t>2017-12-25</a:t>
             </a:fld>
             <a:endParaRPr lang="ko-KR" altLang="en-US"/>
           </a:p>
@@ -1581,7 +1581,10 @@
           </a:bodyPr>
           <a:lstStyle>
             <a:lvl1pPr algn="ctr">
-              <a:defRPr sz="11500"/>
+              <a:defRPr sz="11500">
+                <a:latin typeface="나눔스퀘어 ExtraBold" panose="020B0600000101010101" pitchFamily="50" charset="-127"/>
+                <a:ea typeface="나눔스퀘어 ExtraBold" panose="020B0600000101010101" pitchFamily="50" charset="-127"/>
+              </a:defRPr>
             </a:lvl1pPr>
           </a:lstStyle>
           <a:p>
@@ -1721,7 +1724,8 @@
             <a:lvl1pPr marL="0" indent="0" algn="ctr">
               <a:buNone/>
               <a:defRPr sz="1800">
-                <a:latin typeface="+mn-lt"/>
+                <a:latin typeface="나눔스퀘어" panose="020B0600000101010101" pitchFamily="50" charset="-127"/>
+                <a:ea typeface="나눔스퀘어" panose="020B0600000101010101" pitchFamily="50" charset="-127"/>
               </a:defRPr>
             </a:lvl1pPr>
           </a:lstStyle>
@@ -2239,7 +2243,8 @@
                     <a:lumOff val="25000"/>
                   </a:schemeClr>
                 </a:solidFill>
-                <a:latin typeface="+mn-lt"/>
+                <a:latin typeface="나눔스퀘어 ExtraBold" panose="020B0600000101010101" pitchFamily="50" charset="-127"/>
+                <a:ea typeface="나눔스퀘어 ExtraBold" panose="020B0600000101010101" pitchFamily="50" charset="-127"/>
               </a:defRPr>
             </a:lvl1pPr>
           </a:lstStyle>
@@ -2286,7 +2291,38 @@
         </p:spPr>
         <p:txBody>
           <a:bodyPr/>
-          <a:lstStyle/>
+          <a:lstStyle>
+            <a:lvl1pPr>
+              <a:defRPr>
+                <a:latin typeface="나눔스퀘어" panose="020B0600000101010101" pitchFamily="50" charset="-127"/>
+                <a:ea typeface="나눔스퀘어" panose="020B0600000101010101" pitchFamily="50" charset="-127"/>
+              </a:defRPr>
+            </a:lvl1pPr>
+            <a:lvl2pPr>
+              <a:defRPr>
+                <a:latin typeface="나눔스퀘어" panose="020B0600000101010101" pitchFamily="50" charset="-127"/>
+                <a:ea typeface="나눔스퀘어" panose="020B0600000101010101" pitchFamily="50" charset="-127"/>
+              </a:defRPr>
+            </a:lvl2pPr>
+            <a:lvl3pPr>
+              <a:defRPr>
+                <a:latin typeface="나눔스퀘어" panose="020B0600000101010101" pitchFamily="50" charset="-127"/>
+                <a:ea typeface="나눔스퀘어" panose="020B0600000101010101" pitchFamily="50" charset="-127"/>
+              </a:defRPr>
+            </a:lvl3pPr>
+            <a:lvl4pPr>
+              <a:defRPr>
+                <a:latin typeface="나눔스퀘어" panose="020B0600000101010101" pitchFamily="50" charset="-127"/>
+                <a:ea typeface="나눔스퀘어" panose="020B0600000101010101" pitchFamily="50" charset="-127"/>
+              </a:defRPr>
+            </a:lvl4pPr>
+            <a:lvl5pPr>
+              <a:defRPr>
+                <a:latin typeface="나눔스퀘어" panose="020B0600000101010101" pitchFamily="50" charset="-127"/>
+                <a:ea typeface="나눔스퀘어" panose="020B0600000101010101" pitchFamily="50" charset="-127"/>
+              </a:defRPr>
+            </a:lvl5pPr>
+          </a:lstStyle>
           <a:p>
             <a:pPr lvl="0"/>
             <a:r>
@@ -2606,7 +2642,8 @@
             <a:lvl1pPr marL="0" indent="0" algn="ctr">
               <a:buNone/>
               <a:defRPr sz="1800">
-                <a:latin typeface="+mn-lt"/>
+                <a:latin typeface="나눔스퀘어" panose="020B0600000101010101" pitchFamily="50" charset="-127"/>
+                <a:ea typeface="나눔스퀘어" panose="020B0600000101010101" pitchFamily="50" charset="-127"/>
               </a:defRPr>
             </a:lvl1pPr>
           </a:lstStyle>
@@ -2697,7 +2734,8 @@
                     <a:lumOff val="25000"/>
                   </a:schemeClr>
                 </a:solidFill>
-                <a:latin typeface="+mn-lt"/>
+                <a:latin typeface="나눔스퀘어 ExtraBold" panose="020B0600000101010101" pitchFamily="50" charset="-127"/>
+                <a:ea typeface="나눔스퀘어 ExtraBold" panose="020B0600000101010101" pitchFamily="50" charset="-127"/>
               </a:defRPr>
             </a:lvl1pPr>
           </a:lstStyle>
@@ -4516,11 +4554,7 @@
             </a:r>
             <a:r>
               <a:rPr lang="ko-KR" altLang="en-US" b="1" i="1" u="sng" dirty="0" smtClean="0"/>
-              <a:t>부터가 </a:t>
-            </a:r>
-            <a:r>
-              <a:rPr lang="ko-KR" altLang="en-US" b="1" i="1" u="sng" dirty="0" smtClean="0"/>
-              <a:t>아닌 </a:t>
+              <a:t>부터가 아닌 </a:t>
             </a:r>
             <a:r>
               <a:rPr lang="en-US" altLang="ko-KR" b="1" i="1" u="sng" dirty="0" smtClean="0"/>
@@ -6740,7 +6774,12 @@
             <p:ph type="body" sz="quarter" idx="13"/>
           </p:nvPr>
         </p:nvSpPr>
-        <p:spPr/>
+        <p:spPr>
+          <a:xfrm>
+            <a:off x="935864" y="2141474"/>
+            <a:ext cx="10703141" cy="3418753"/>
+          </a:xfrm>
+        </p:spPr>
         <p:txBody>
           <a:bodyPr/>
           <a:lstStyle/>
